--- a/132_Seminar_RoleOfAIinGameing.pptx
+++ b/132_Seminar_RoleOfAIinGameing.pptx
@@ -4513,7 +4513,7 @@
         </p:nvSpPr>
         <p:spPr>
           <a:xfrm>
-            <a:off x="1095533" y="3618557"/>
+            <a:off x="1095533" y="3675001"/>
             <a:ext cx="6952934" cy="659931"/>
           </a:xfrm>
           <a:prstGeom prst="rect">
@@ -5862,58 +5862,6 @@
       </p:sp>
       <p:sp>
         <p:nvSpPr>
-          <p:cNvPr id="3" name="Content Placeholder 2"/>
-          <p:cNvSpPr>
-            <a:spLocks noGrp="1"/>
-          </p:cNvSpPr>
-          <p:nvPr>
-            <p:ph idx="1"/>
-          </p:nvPr>
-        </p:nvSpPr>
-        <p:spPr>
-          <a:xfrm>
-            <a:off x="879403" y="2094089"/>
-            <a:ext cx="7543801" cy="4023360"/>
-          </a:xfrm>
-        </p:spPr>
-        <p:txBody>
-          <a:bodyPr/>
-          <a:lstStyle/>
-          <a:p>
-            <a:pPr marL="457200" indent="-457200">
-              <a:buFont typeface="+mj-lt"/>
-              <a:buAutoNum type="arabicPeriod"/>
-            </a:pPr>
-            <a:r>
-              <a:rPr lang="en-IN" dirty="0"/>
-              <a:t>Dynamic Content &amp; Gameplay: AI-driven procedural generation and adaptive difficulty — e.g., Nemesis System (Shadow of Mordor) and real-time narrative adjustment.</a:t>
-            </a:r>
-          </a:p>
-          <a:p>
-            <a:pPr marL="457200" indent="-457200">
-              <a:buFont typeface="+mj-lt"/>
-              <a:buAutoNum type="arabicPeriod"/>
-            </a:pPr>
-            <a:r>
-              <a:rPr lang="en-IN" dirty="0"/>
-              <a:t>Process Enhancement: AI tools streamline level creation, testing, and scripting tasks.</a:t>
-            </a:r>
-          </a:p>
-          <a:p>
-            <a:pPr marL="457200" indent="-457200">
-              <a:buFont typeface="+mj-lt"/>
-              <a:buAutoNum type="arabicPeriod"/>
-            </a:pPr>
-            <a:r>
-              <a:rPr lang="en-IN" dirty="0"/>
-              <a:t>Generative Creativity: Generative AI can spark creativity but runs the risk of homogenizing design.</a:t>
-            </a:r>
-            <a:endParaRPr dirty="0"/>
-          </a:p>
-        </p:txBody>
-      </p:sp>
-      <p:sp>
-        <p:nvSpPr>
           <p:cNvPr id="4" name="Footer Placeholder 3">
             <a:extLst>
               <a:ext uri="{FF2B5EF4-FFF2-40B4-BE49-F238E27FC236}">
@@ -5969,6 +5917,255 @@
           </a:p>
         </p:txBody>
       </p:sp>
+      <p:graphicFrame>
+        <p:nvGraphicFramePr>
+          <p:cNvPr id="10" name="Content Placeholder 9">
+            <a:extLst>
+              <a:ext uri="{FF2B5EF4-FFF2-40B4-BE49-F238E27FC236}">
+                <a16:creationId xmlns:a16="http://schemas.microsoft.com/office/drawing/2014/main" id="{34FBD5CA-E1C5-4878-8A82-CDA8A5100087}"/>
+              </a:ext>
+            </a:extLst>
+          </p:cNvPr>
+          <p:cNvGraphicFramePr>
+            <a:graphicFrameLocks noGrp="1"/>
+          </p:cNvGraphicFramePr>
+          <p:nvPr>
+            <p:ph idx="1"/>
+            <p:extLst>
+              <p:ext uri="{D42A27DB-BD31-4B8C-83A1-F6EECF244321}">
+                <p14:modId xmlns:p14="http://schemas.microsoft.com/office/powerpoint/2010/main" val="3747380803"/>
+              </p:ext>
+            </p:extLst>
+          </p:nvPr>
+        </p:nvGraphicFramePr>
+        <p:xfrm>
+          <a:off x="865845" y="1908881"/>
+          <a:ext cx="7543800" cy="4114800"/>
+        </p:xfrm>
+        <a:graphic>
+          <a:graphicData uri="http://schemas.openxmlformats.org/drawingml/2006/table">
+            <a:tbl>
+              <a:tblPr firstRow="1" bandRow="1">
+                <a:tableStyleId>{5C22544A-7EE6-4342-B048-85BDC9FD1C3A}</a:tableStyleId>
+              </a:tblPr>
+              <a:tblGrid>
+                <a:gridCol w="1885950">
+                  <a:extLst>
+                    <a:ext uri="{9D8B030D-6E8A-4147-A177-3AD203B41FA5}">
+                      <a16:colId xmlns:a16="http://schemas.microsoft.com/office/drawing/2014/main" val="1296820781"/>
+                    </a:ext>
+                  </a:extLst>
+                </a:gridCol>
+                <a:gridCol w="1885950">
+                  <a:extLst>
+                    <a:ext uri="{9D8B030D-6E8A-4147-A177-3AD203B41FA5}">
+                      <a16:colId xmlns:a16="http://schemas.microsoft.com/office/drawing/2014/main" val="490051903"/>
+                    </a:ext>
+                  </a:extLst>
+                </a:gridCol>
+                <a:gridCol w="1885950">
+                  <a:extLst>
+                    <a:ext uri="{9D8B030D-6E8A-4147-A177-3AD203B41FA5}">
+                      <a16:colId xmlns:a16="http://schemas.microsoft.com/office/drawing/2014/main" val="2466534450"/>
+                    </a:ext>
+                  </a:extLst>
+                </a:gridCol>
+                <a:gridCol w="1885950">
+                  <a:extLst>
+                    <a:ext uri="{9D8B030D-6E8A-4147-A177-3AD203B41FA5}">
+                      <a16:colId xmlns:a16="http://schemas.microsoft.com/office/drawing/2014/main" val="3259488904"/>
+                    </a:ext>
+                  </a:extLst>
+                </a:gridCol>
+              </a:tblGrid>
+              <a:tr h="370840">
+                <a:tc>
+                  <a:txBody>
+                    <a:bodyPr/>
+                    <a:lstStyle/>
+                    <a:p>
+                      <a:r>
+                        <a:rPr lang="en-IN" dirty="0"/>
+                        <a:t>Author / Year</a:t>
+                      </a:r>
+                    </a:p>
+                  </a:txBody>
+                  <a:tcPr/>
+                </a:tc>
+                <a:tc>
+                  <a:txBody>
+                    <a:bodyPr/>
+                    <a:lstStyle/>
+                    <a:p>
+                      <a:r>
+                        <a:rPr lang="en-IN" dirty="0"/>
+                        <a:t>Focus Area</a:t>
+                      </a:r>
+                    </a:p>
+                  </a:txBody>
+                  <a:tcPr/>
+                </a:tc>
+                <a:tc>
+                  <a:txBody>
+                    <a:bodyPr/>
+                    <a:lstStyle/>
+                    <a:p>
+                      <a:r>
+                        <a:rPr lang="en-IN" dirty="0"/>
+                        <a:t>Key Contribution</a:t>
+                      </a:r>
+                    </a:p>
+                  </a:txBody>
+                  <a:tcPr/>
+                </a:tc>
+                <a:tc>
+                  <a:txBody>
+                    <a:bodyPr/>
+                    <a:lstStyle/>
+                    <a:p>
+                      <a:r>
+                        <a:rPr lang="en-IN" dirty="0"/>
+                        <a:t>Limitations / Challenges</a:t>
+                      </a:r>
+                    </a:p>
+                  </a:txBody>
+                  <a:tcPr/>
+                </a:tc>
+                <a:extLst>
+                  <a:ext uri="{0D108BD9-81ED-4DB2-BD59-A6C34878D82A}">
+                    <a16:rowId xmlns:a16="http://schemas.microsoft.com/office/drawing/2014/main" val="3084394244"/>
+                  </a:ext>
+                </a:extLst>
+              </a:tr>
+              <a:tr h="370840">
+                <a:tc>
+                  <a:txBody>
+                    <a:bodyPr/>
+                    <a:lstStyle/>
+                    <a:p>
+                      <a:r>
+                        <a:rPr lang="en-US" dirty="0"/>
+                        <a:t>Mehta, N. (2025) – The Role of AI in Game Development and Player Experience.</a:t>
+                      </a:r>
+                      <a:endParaRPr lang="en-IN" dirty="0"/>
+                    </a:p>
+                  </a:txBody>
+                  <a:tcPr/>
+                </a:tc>
+                <a:tc>
+                  <a:txBody>
+                    <a:bodyPr/>
+                    <a:lstStyle/>
+                    <a:p>
+                      <a:r>
+                        <a:rPr lang="en-US" dirty="0"/>
+                        <a:t>Adaptive NPCs, procedural generation, dynamic difficulty.</a:t>
+                      </a:r>
+                      <a:endParaRPr lang="en-IN" dirty="0"/>
+                    </a:p>
+                  </a:txBody>
+                  <a:tcPr/>
+                </a:tc>
+                <a:tc>
+                  <a:txBody>
+                    <a:bodyPr/>
+                    <a:lstStyle/>
+                    <a:p>
+                      <a:r>
+                        <a:rPr lang="en-US" dirty="0"/>
+                        <a:t>Demonstrates personalized gameplay (e.g., Red Dead Redemption 2)</a:t>
+                      </a:r>
+                      <a:endParaRPr lang="en-IN" dirty="0"/>
+                    </a:p>
+                  </a:txBody>
+                  <a:tcPr/>
+                </a:tc>
+                <a:tc>
+                  <a:txBody>
+                    <a:bodyPr/>
+                    <a:lstStyle/>
+                    <a:p>
+                      <a:r>
+                        <a:rPr lang="en-US" dirty="0"/>
+                        <a:t>Computational complexity, ethical concerns in balancing difficulty.</a:t>
+                      </a:r>
+                      <a:endParaRPr lang="en-IN" dirty="0"/>
+                    </a:p>
+                  </a:txBody>
+                  <a:tcPr/>
+                </a:tc>
+                <a:extLst>
+                  <a:ext uri="{0D108BD9-81ED-4DB2-BD59-A6C34878D82A}">
+                    <a16:rowId xmlns:a16="http://schemas.microsoft.com/office/drawing/2014/main" val="885674273"/>
+                  </a:ext>
+                </a:extLst>
+              </a:tr>
+              <a:tr h="370840">
+                <a:tc>
+                  <a:txBody>
+                    <a:bodyPr/>
+                    <a:lstStyle/>
+                    <a:p>
+                      <a:r>
+                        <a:rPr lang="en-IN" dirty="0"/>
+                        <a:t>Cui, Y. (2025) – Exploring AI Applications in Game Development</a:t>
+                      </a:r>
+                    </a:p>
+                  </a:txBody>
+                  <a:tcPr/>
+                </a:tc>
+                <a:tc>
+                  <a:txBody>
+                    <a:bodyPr/>
+                    <a:lstStyle/>
+                    <a:p>
+                      <a:r>
+                        <a:rPr lang="en-US" dirty="0"/>
+                        <a:t>Multi-agent interaction, procedural level design, optimization</a:t>
+                      </a:r>
+                      <a:endParaRPr lang="en-IN" dirty="0"/>
+                    </a:p>
+                  </a:txBody>
+                  <a:tcPr/>
+                </a:tc>
+                <a:tc>
+                  <a:txBody>
+                    <a:bodyPr/>
+                    <a:lstStyle/>
+                    <a:p>
+                      <a:r>
+                        <a:rPr lang="en-US" dirty="0"/>
+                        <a:t>Reviews AI use in content generation, level building, and development process automation</a:t>
+                      </a:r>
+                      <a:endParaRPr lang="en-IN" dirty="0"/>
+                    </a:p>
+                  </a:txBody>
+                  <a:tcPr/>
+                </a:tc>
+                <a:tc>
+                  <a:txBody>
+                    <a:bodyPr/>
+                    <a:lstStyle/>
+                    <a:p>
+                      <a:r>
+                        <a:rPr lang="en-US" dirty="0"/>
+                        <a:t>Technical challenges in real-time adaptation, unpredictability</a:t>
+                      </a:r>
+                      <a:endParaRPr lang="en-IN" dirty="0"/>
+                    </a:p>
+                  </a:txBody>
+                  <a:tcPr/>
+                </a:tc>
+                <a:extLst>
+                  <a:ext uri="{0D108BD9-81ED-4DB2-BD59-A6C34878D82A}">
+                    <a16:rowId xmlns:a16="http://schemas.microsoft.com/office/drawing/2014/main" val="2980315706"/>
+                  </a:ext>
+                </a:extLst>
+              </a:tr>
+            </a:tbl>
+          </a:graphicData>
+        </a:graphic>
+      </p:graphicFrame>
     </p:spTree>
   </p:cSld>
   <p:clrMapOvr>
